--- a/src/figures/Bc-split.pptx
+++ b/src/figures/Bc-split.pptx
@@ -10,7 +10,7 @@
   <p:sldIdLst>
     <p:sldId id="257" r:id="rId2"/>
   </p:sldIdLst>
-  <p:sldSz cx="5759450" cy="2160588"/>
+  <p:sldSz cx="5759450" cy="2700338"/>
   <p:notesSz cx="6858000" cy="9144000"/>
   <p:defaultTextStyle>
     <a:defPPr>
@@ -197,7 +197,7 @@
           <a:p>
             <a:fld id="{C1C90ABE-C08A-444A-9B97-50985CA7357E}" type="datetimeFigureOut">
               <a:rPr kumimoji="1" lang="ja-JP" altLang="en-US" smtClean="0"/>
-              <a:t>2023/8/16</a:t>
+              <a:t>2023/8/20</a:t>
             </a:fld>
             <a:endParaRPr kumimoji="1" lang="ja-JP" altLang="en-US"/>
           </a:p>
@@ -215,8 +215,8 @@
         </p:nvSpPr>
         <p:spPr>
           <a:xfrm>
-            <a:off x="-684213" y="1143000"/>
-            <a:ext cx="8226426" cy="3086100"/>
+            <a:off x="138113" y="1143000"/>
+            <a:ext cx="6581775" cy="3086100"/>
           </a:xfrm>
           <a:prstGeom prst="rect">
             <a:avLst/>
@@ -525,8 +525,8 @@
         </p:nvSpPr>
         <p:spPr>
           <a:xfrm>
-            <a:off x="-684213" y="1143000"/>
-            <a:ext cx="8226426" cy="3086100"/>
+            <a:off x="138113" y="1143000"/>
+            <a:ext cx="6581775" cy="3086100"/>
           </a:xfrm>
         </p:spPr>
       </p:sp>
@@ -614,8 +614,8 @@
         </p:nvSpPr>
         <p:spPr>
           <a:xfrm>
-            <a:off x="319974" y="353604"/>
-            <a:ext cx="5167380" cy="752205"/>
+            <a:off x="319974" y="441941"/>
+            <a:ext cx="5167380" cy="940118"/>
           </a:xfrm>
           <a:noFill/>
         </p:spPr>
@@ -655,8 +655,8 @@
         </p:nvSpPr>
         <p:spPr>
           <a:xfrm>
-            <a:off x="319972" y="1242858"/>
-            <a:ext cx="5191124" cy="416662"/>
+            <a:off x="319972" y="1553345"/>
+            <a:ext cx="5191124" cy="520751"/>
           </a:xfrm>
         </p:spPr>
         <p:txBody>
@@ -776,8 +776,8 @@
         </p:nvSpPr>
         <p:spPr>
           <a:xfrm>
-            <a:off x="255983" y="1105810"/>
-            <a:ext cx="5503474" cy="78523"/>
+            <a:off x="255983" y="1382060"/>
+            <a:ext cx="5503474" cy="98139"/>
           </a:xfrm>
           <a:prstGeom prst="rect">
             <a:avLst/>
@@ -864,8 +864,8 @@
         </p:nvSpPr>
         <p:spPr>
           <a:xfrm>
-            <a:off x="9" y="6"/>
-            <a:ext cx="5759450" cy="306225"/>
+            <a:off x="9" y="9"/>
+            <a:ext cx="5759450" cy="382725"/>
           </a:xfrm>
         </p:spPr>
         <p:txBody>
@@ -950,8 +950,8 @@
         </p:nvSpPr>
         <p:spPr>
           <a:xfrm>
-            <a:off x="203367" y="408301"/>
-            <a:ext cx="5352730" cy="1519784"/>
+            <a:off x="203367" y="510302"/>
+            <a:ext cx="5352730" cy="1899451"/>
           </a:xfrm>
         </p:spPr>
         <p:txBody>
@@ -1068,8 +1068,8 @@
         </p:nvSpPr>
         <p:spPr>
           <a:xfrm>
-            <a:off x="9" y="6"/>
-            <a:ext cx="5759450" cy="306225"/>
+            <a:off x="9" y="9"/>
+            <a:ext cx="5759450" cy="382725"/>
           </a:xfrm>
         </p:spPr>
         <p:txBody>
@@ -1168,8 +1168,8 @@
         </p:nvSpPr>
         <p:spPr>
           <a:xfrm>
-            <a:off x="9" y="538663"/>
-            <a:ext cx="5759450" cy="898745"/>
+            <a:off x="9" y="673230"/>
+            <a:ext cx="5759450" cy="1123267"/>
           </a:xfrm>
         </p:spPr>
         <p:txBody>
@@ -1203,8 +1203,8 @@
         </p:nvSpPr>
         <p:spPr>
           <a:xfrm>
-            <a:off x="392971" y="1489986"/>
-            <a:ext cx="4967526" cy="428549"/>
+            <a:off x="392971" y="1862210"/>
+            <a:ext cx="4967526" cy="535607"/>
           </a:xfrm>
         </p:spPr>
         <p:txBody>
@@ -1474,8 +1474,8 @@
         </p:nvSpPr>
         <p:spPr>
           <a:xfrm>
-            <a:off x="9" y="6"/>
-            <a:ext cx="5759450" cy="306225"/>
+            <a:off x="9" y="9"/>
+            <a:ext cx="5759450" cy="382725"/>
           </a:xfrm>
           <a:prstGeom prst="rect">
             <a:avLst/>
@@ -1512,8 +1512,8 @@
         </p:nvSpPr>
         <p:spPr>
           <a:xfrm>
-            <a:off x="203367" y="408301"/>
-            <a:ext cx="5352730" cy="1519784"/>
+            <a:off x="203367" y="510302"/>
+            <a:ext cx="5352730" cy="1899451"/>
           </a:xfrm>
           <a:prstGeom prst="rect">
             <a:avLst/>
@@ -1607,8 +1607,8 @@
         </p:nvSpPr>
         <p:spPr>
           <a:xfrm>
-            <a:off x="913179" y="2002561"/>
-            <a:ext cx="3933110" cy="115031"/>
+            <a:off x="913179" y="2502835"/>
+            <a:ext cx="3933110" cy="143767"/>
           </a:xfrm>
           <a:prstGeom prst="rect">
             <a:avLst/>
@@ -1646,8 +1646,8 @@
         </p:nvSpPr>
         <p:spPr>
           <a:xfrm>
-            <a:off x="4911056" y="2002561"/>
-            <a:ext cx="645036" cy="115031"/>
+            <a:off x="4911056" y="2502835"/>
+            <a:ext cx="645036" cy="143767"/>
           </a:xfrm>
           <a:prstGeom prst="rect">
             <a:avLst/>
@@ -2037,6 +2037,52 @@
           <a:chExt cx="0" cy="0"/>
         </a:xfrm>
       </p:grpSpPr>
+      <p:cxnSp>
+        <p:nvCxnSpPr>
+          <p:cNvPr id="44" name="直線矢印コネクタ 43">
+            <a:extLst>
+              <a:ext uri="{FF2B5EF4-FFF2-40B4-BE49-F238E27FC236}">
+                <a16:creationId xmlns:a16="http://schemas.microsoft.com/office/drawing/2014/main" id="{DE3E87C5-D1B5-432A-94DB-85C56AB32CEC}"/>
+              </a:ext>
+            </a:extLst>
+          </p:cNvPr>
+          <p:cNvCxnSpPr>
+            <a:cxnSpLocks/>
+            <a:stCxn id="45" idx="5"/>
+          </p:cNvCxnSpPr>
+          <p:nvPr/>
+        </p:nvCxnSpPr>
+        <p:spPr>
+          <a:xfrm>
+            <a:off x="3465323" y="812204"/>
+            <a:ext cx="281790" cy="1270660"/>
+          </a:xfrm>
+          <a:prstGeom prst="straightConnector1">
+            <a:avLst/>
+          </a:prstGeom>
+          <a:ln w="12700">
+            <a:solidFill>
+              <a:schemeClr val="accent1"/>
+            </a:solidFill>
+            <a:prstDash val="sysDot"/>
+            <a:tailEnd type="triangle" w="med" len="med"/>
+          </a:ln>
+        </p:spPr>
+        <p:style>
+          <a:lnRef idx="1">
+            <a:schemeClr val="accent1"/>
+          </a:lnRef>
+          <a:fillRef idx="0">
+            <a:schemeClr val="accent1"/>
+          </a:fillRef>
+          <a:effectRef idx="0">
+            <a:schemeClr val="accent1"/>
+          </a:effectRef>
+          <a:fontRef idx="minor">
+            <a:schemeClr val="tx1"/>
+          </a:fontRef>
+        </p:style>
+      </p:cxnSp>
       <mc:AlternateContent xmlns:mc="http://schemas.openxmlformats.org/markup-compatibility/2006" xmlns:a14="http://schemas.microsoft.com/office/drawing/2010/main">
         <mc:Choice Requires="a14">
           <p:graphicFrame>
@@ -2054,13 +2100,13 @@
               <p:nvPr>
                 <p:extLst>
                   <p:ext uri="{D42A27DB-BD31-4B8C-83A1-F6EECF244321}">
-                    <p14:modId xmlns:p14="http://schemas.microsoft.com/office/powerpoint/2010/main" val="2732290933"/>
+                    <p14:modId xmlns:p14="http://schemas.microsoft.com/office/powerpoint/2010/main" val="2464695853"/>
                   </p:ext>
                 </p:extLst>
               </p:nvPr>
             </p:nvGraphicFramePr>
             <p:xfrm>
-              <a:off x="3419127" y="1114324"/>
+              <a:off x="3693449" y="2082864"/>
               <a:ext cx="538001" cy="560584"/>
             </p:xfrm>
             <a:graphic>
@@ -2392,13 +2438,13 @@
               <p:nvPr>
                 <p:extLst>
                   <p:ext uri="{D42A27DB-BD31-4B8C-83A1-F6EECF244321}">
-                    <p14:modId xmlns:p14="http://schemas.microsoft.com/office/powerpoint/2010/main" val="2732290933"/>
+                    <p14:modId xmlns:p14="http://schemas.microsoft.com/office/powerpoint/2010/main" val="2464695853"/>
                   </p:ext>
                 </p:extLst>
               </p:nvPr>
             </p:nvGraphicFramePr>
             <p:xfrm>
-              <a:off x="3419127" y="1114324"/>
+              <a:off x="3693449" y="2082864"/>
               <a:ext cx="538001" cy="560584"/>
             </p:xfrm>
             <a:graphic>
@@ -2703,13 +2749,13 @@
               <p:nvPr>
                 <p:extLst>
                   <p:ext uri="{D42A27DB-BD31-4B8C-83A1-F6EECF244321}">
-                    <p14:modId xmlns:p14="http://schemas.microsoft.com/office/powerpoint/2010/main" val="1068188125"/>
+                    <p14:modId xmlns:p14="http://schemas.microsoft.com/office/powerpoint/2010/main" val="3699031619"/>
                   </p:ext>
                 </p:extLst>
               </p:nvPr>
             </p:nvGraphicFramePr>
             <p:xfrm>
-              <a:off x="2338855" y="1473546"/>
+              <a:off x="2613175" y="1179374"/>
               <a:ext cx="536400" cy="562680"/>
             </p:xfrm>
             <a:graphic>
@@ -3079,13 +3125,13 @@
               <p:nvPr>
                 <p:extLst>
                   <p:ext uri="{D42A27DB-BD31-4B8C-83A1-F6EECF244321}">
-                    <p14:modId xmlns:p14="http://schemas.microsoft.com/office/powerpoint/2010/main" val="1068188125"/>
+                    <p14:modId xmlns:p14="http://schemas.microsoft.com/office/powerpoint/2010/main" val="3699031619"/>
                   </p:ext>
                 </p:extLst>
               </p:nvPr>
             </p:nvGraphicFramePr>
             <p:xfrm>
-              <a:off x="2338855" y="1473546"/>
+              <a:off x="2613175" y="1179374"/>
               <a:ext cx="536400" cy="562680"/>
             </p:xfrm>
             <a:graphic>
@@ -3152,7 +3198,7 @@
                         <a:blipFill>
                           <a:blip r:embed="rId4"/>
                           <a:stretch>
-                            <a:fillRect l="-1124" t="-8333" r="-2247" b="-325000"/>
+                            <a:fillRect l="-1124" t="-12500" r="-2247" b="-325000"/>
                           </a:stretch>
                         </a:blipFill>
                       </a:tcPr>
@@ -3341,7 +3387,7 @@
                         <a:blipFill>
                           <a:blip r:embed="rId4"/>
                           <a:stretch>
-                            <a:fillRect l="-1124" t="-317391" r="-2247" b="-34783"/>
+                            <a:fillRect l="-1124" t="-317391" r="-2247" b="-39130"/>
                           </a:stretch>
                         </a:blipFill>
                       </a:tcPr>
@@ -3375,7 +3421,7 @@
         </p:nvCxnSpPr>
         <p:spPr>
           <a:xfrm flipV="1">
-            <a:off x="982012" y="441402"/>
+            <a:off x="982012" y="402430"/>
             <a:ext cx="2605198" cy="263192"/>
           </a:xfrm>
           <a:prstGeom prst="straightConnector1">
@@ -3414,15 +3460,13 @@
           </p:cNvPr>
           <p:cNvCxnSpPr>
             <a:cxnSpLocks/>
-            <a:stCxn id="30" idx="3"/>
-            <a:endCxn id="31" idx="1"/>
           </p:cNvCxnSpPr>
           <p:nvPr/>
         </p:nvCxnSpPr>
         <p:spPr>
           <a:xfrm>
-            <a:off x="2875255" y="1754886"/>
-            <a:ext cx="1625742" cy="0"/>
+            <a:off x="3146277" y="1228302"/>
+            <a:ext cx="1629040" cy="0"/>
           </a:xfrm>
           <a:prstGeom prst="straightConnector1">
             <a:avLst/>
@@ -3461,14 +3505,14 @@
           </p:cNvPr>
           <p:cNvCxnSpPr>
             <a:cxnSpLocks/>
-            <a:stCxn id="30" idx="0"/>
+            <a:stCxn id="30" idx="2"/>
           </p:cNvCxnSpPr>
           <p:nvPr/>
         </p:nvCxnSpPr>
         <p:spPr>
-          <a:xfrm flipV="1">
-            <a:off x="2607057" y="1385246"/>
-            <a:ext cx="821871" cy="88300"/>
+          <a:xfrm>
+            <a:off x="2881375" y="1742054"/>
+            <a:ext cx="803976" cy="340810"/>
           </a:xfrm>
           <a:prstGeom prst="straightConnector1">
             <a:avLst/>
@@ -3506,14 +3550,14 @@
           </p:cNvPr>
           <p:cNvCxnSpPr>
             <a:cxnSpLocks/>
-            <a:stCxn id="31" idx="0"/>
+            <a:stCxn id="31" idx="2"/>
           </p:cNvCxnSpPr>
           <p:nvPr/>
         </p:nvCxnSpPr>
         <p:spPr>
-          <a:xfrm flipH="1" flipV="1">
-            <a:off x="3947327" y="1385248"/>
-            <a:ext cx="821870" cy="88298"/>
+          <a:xfrm flipH="1">
+            <a:off x="4227053" y="1742255"/>
+            <a:ext cx="816464" cy="340609"/>
           </a:xfrm>
           <a:prstGeom prst="straightConnector1">
             <a:avLst/>
@@ -3554,7 +3598,7 @@
         </p:nvGrpSpPr>
         <p:grpSpPr>
           <a:xfrm>
-            <a:off x="2291988" y="77334"/>
+            <a:off x="2291988" y="38362"/>
             <a:ext cx="1187166" cy="297394"/>
             <a:chOff x="860173" y="1557631"/>
             <a:chExt cx="1030332" cy="384165"/>
@@ -3856,13 +3900,13 @@
           <p:nvPr>
             <p:extLst>
               <p:ext uri="{D42A27DB-BD31-4B8C-83A1-F6EECF244321}">
-                <p14:modId xmlns:p14="http://schemas.microsoft.com/office/powerpoint/2010/main" val="634006681"/>
+                <p14:modId xmlns:p14="http://schemas.microsoft.com/office/powerpoint/2010/main" val="866890530"/>
               </p:ext>
             </p:extLst>
           </p:nvPr>
         </p:nvGraphicFramePr>
         <p:xfrm>
-          <a:off x="562038" y="371146"/>
+          <a:off x="562038" y="332174"/>
           <a:ext cx="419974" cy="1102956"/>
         </p:xfrm>
         <a:graphic>
@@ -4278,7 +4322,7 @@
         </p:nvCxnSpPr>
         <p:spPr>
           <a:xfrm flipH="1">
-            <a:off x="3465324" y="505045"/>
+            <a:off x="3465324" y="466073"/>
             <a:ext cx="148246" cy="218854"/>
           </a:xfrm>
           <a:prstGeom prst="straightConnector1">
@@ -4323,55 +4367,8 @@
         </p:nvCxnSpPr>
         <p:spPr>
           <a:xfrm flipH="1">
-            <a:off x="3242397" y="865084"/>
+            <a:off x="3242399" y="826112"/>
             <a:ext cx="98347" cy="110432"/>
-          </a:xfrm>
-          <a:prstGeom prst="straightConnector1">
-            <a:avLst/>
-          </a:prstGeom>
-          <a:ln w="12700">
-            <a:solidFill>
-              <a:schemeClr val="accent1"/>
-            </a:solidFill>
-            <a:prstDash val="sysDot"/>
-            <a:tailEnd type="triangle" w="med" len="med"/>
-          </a:ln>
-        </p:spPr>
-        <p:style>
-          <a:lnRef idx="1">
-            <a:schemeClr val="accent1"/>
-          </a:lnRef>
-          <a:fillRef idx="0">
-            <a:schemeClr val="accent1"/>
-          </a:fillRef>
-          <a:effectRef idx="0">
-            <a:schemeClr val="accent1"/>
-          </a:effectRef>
-          <a:fontRef idx="minor">
-            <a:schemeClr val="tx1"/>
-          </a:fontRef>
-        </p:style>
-      </p:cxnSp>
-      <p:cxnSp>
-        <p:nvCxnSpPr>
-          <p:cNvPr id="44" name="直線矢印コネクタ 43">
-            <a:extLst>
-              <a:ext uri="{FF2B5EF4-FFF2-40B4-BE49-F238E27FC236}">
-                <a16:creationId xmlns:a16="http://schemas.microsoft.com/office/drawing/2014/main" id="{DE3E87C5-D1B5-432A-94DB-85C56AB32CEC}"/>
-              </a:ext>
-            </a:extLst>
-          </p:cNvPr>
-          <p:cNvCxnSpPr>
-            <a:cxnSpLocks/>
-            <a:stCxn id="45" idx="5"/>
-            <a:endCxn id="56" idx="0"/>
-          </p:cNvCxnSpPr>
-          <p:nvPr/>
-        </p:nvCxnSpPr>
-        <p:spPr>
-          <a:xfrm>
-            <a:off x="3465323" y="851176"/>
-            <a:ext cx="222802" cy="263148"/>
           </a:xfrm>
           <a:prstGeom prst="straightConnector1">
             <a:avLst/>
@@ -4413,7 +4410,7 @@
         </p:nvSpPr>
         <p:spPr>
           <a:xfrm>
-            <a:off x="3311683" y="697536"/>
+            <a:off x="3311683" y="658564"/>
             <a:ext cx="180000" cy="180000"/>
           </a:xfrm>
           <a:prstGeom prst="ellipse">
@@ -4482,7 +4479,7 @@
         </p:nvSpPr>
         <p:spPr>
           <a:xfrm>
-            <a:off x="3862733" y="697938"/>
+            <a:off x="3862733" y="658966"/>
             <a:ext cx="180000" cy="180000"/>
           </a:xfrm>
           <a:prstGeom prst="ellipse">
@@ -4551,7 +4548,7 @@
         </p:nvSpPr>
         <p:spPr>
           <a:xfrm>
-            <a:off x="3587209" y="351402"/>
+            <a:off x="3587209" y="312430"/>
             <a:ext cx="180000" cy="180000"/>
           </a:xfrm>
           <a:prstGeom prst="ellipse">
@@ -4623,7 +4620,7 @@
         </p:nvCxnSpPr>
         <p:spPr>
           <a:xfrm>
-            <a:off x="3677209" y="160149"/>
+            <a:off x="3677209" y="121177"/>
             <a:ext cx="0" cy="191258"/>
           </a:xfrm>
           <a:prstGeom prst="straightConnector1">
@@ -4670,7 +4667,7 @@
         </p:nvCxnSpPr>
         <p:spPr>
           <a:xfrm>
-            <a:off x="3740852" y="505042"/>
+            <a:off x="3740852" y="466070"/>
             <a:ext cx="148246" cy="219256"/>
           </a:xfrm>
           <a:prstGeom prst="straightConnector1">
@@ -4717,7 +4714,7 @@
         </p:nvCxnSpPr>
         <p:spPr>
           <a:xfrm>
-            <a:off x="3491685" y="787538"/>
+            <a:off x="3491685" y="748566"/>
             <a:ext cx="371052" cy="404"/>
           </a:xfrm>
           <a:prstGeom prst="straightConnector1">
@@ -4763,7 +4760,7 @@
         </p:nvCxnSpPr>
         <p:spPr>
           <a:xfrm>
-            <a:off x="4016374" y="851578"/>
+            <a:off x="4016374" y="812606"/>
             <a:ext cx="110246" cy="114056"/>
           </a:xfrm>
           <a:prstGeom prst="straightConnector1">
@@ -4806,7 +4803,7 @@
         </p:nvSpPr>
         <p:spPr>
           <a:xfrm>
-            <a:off x="4124046" y="890266"/>
+            <a:off x="4124046" y="851296"/>
             <a:ext cx="71862" cy="134139"/>
           </a:xfrm>
           <a:prstGeom prst="rect">
@@ -4864,7 +4861,7 @@
         </p:nvCxnSpPr>
         <p:spPr>
           <a:xfrm flipV="1">
-            <a:off x="982011" y="787537"/>
+            <a:off x="982011" y="748565"/>
             <a:ext cx="2329672" cy="16418"/>
           </a:xfrm>
           <a:prstGeom prst="straightConnector1">
@@ -4909,13 +4906,13 @@
               <p:nvPr>
                 <p:extLst>
                   <p:ext uri="{D42A27DB-BD31-4B8C-83A1-F6EECF244321}">
-                    <p14:modId xmlns:p14="http://schemas.microsoft.com/office/powerpoint/2010/main" val="3838046281"/>
+                    <p14:modId xmlns:p14="http://schemas.microsoft.com/office/powerpoint/2010/main" val="2043488267"/>
                   </p:ext>
                 </p:extLst>
               </p:nvPr>
             </p:nvGraphicFramePr>
             <p:xfrm>
-              <a:off x="4500997" y="1473546"/>
+              <a:off x="4775317" y="1179575"/>
               <a:ext cx="536400" cy="562680"/>
             </p:xfrm>
             <a:graphic>
@@ -5285,13 +5282,13 @@
               <p:nvPr>
                 <p:extLst>
                   <p:ext uri="{D42A27DB-BD31-4B8C-83A1-F6EECF244321}">
-                    <p14:modId xmlns:p14="http://schemas.microsoft.com/office/powerpoint/2010/main" val="3838046281"/>
+                    <p14:modId xmlns:p14="http://schemas.microsoft.com/office/powerpoint/2010/main" val="2043488267"/>
                   </p:ext>
                 </p:extLst>
               </p:nvPr>
             </p:nvGraphicFramePr>
             <p:xfrm>
-              <a:off x="4500997" y="1473546"/>
+              <a:off x="4775317" y="1179575"/>
               <a:ext cx="536400" cy="562680"/>
             </p:xfrm>
             <a:graphic>
@@ -5358,7 +5355,7 @@
                         <a:blipFill>
                           <a:blip r:embed="rId5"/>
                           <a:stretch>
-                            <a:fillRect l="-1124" t="-8333" r="-2247" b="-325000"/>
+                            <a:fillRect l="-1124" t="-12500" r="-2247" b="-325000"/>
                           </a:stretch>
                         </a:blipFill>
                       </a:tcPr>
@@ -5547,7 +5544,7 @@
                         <a:blipFill>
                           <a:blip r:embed="rId5"/>
                           <a:stretch>
-                            <a:fillRect l="-1124" t="-317391" r="-2247" b="-34783"/>
+                            <a:fillRect l="-1124" t="-317391" r="-2247" b="-39130"/>
                           </a:stretch>
                         </a:blipFill>
                       </a:tcPr>
@@ -5579,9 +5576,9 @@
           <p:nvPr/>
         </p:nvCxnSpPr>
         <p:spPr>
-          <a:xfrm flipV="1">
-            <a:off x="982011" y="1191126"/>
-            <a:ext cx="2411645" cy="55320"/>
+          <a:xfrm>
+            <a:off x="982013" y="1291294"/>
+            <a:ext cx="2695196" cy="910468"/>
           </a:xfrm>
           <a:prstGeom prst="straightConnector1">
             <a:avLst/>
@@ -5623,7 +5620,7 @@
         </p:nvSpPr>
         <p:spPr>
           <a:xfrm>
-            <a:off x="3170533" y="930185"/>
+            <a:off x="3170533" y="891215"/>
             <a:ext cx="71862" cy="134139"/>
           </a:xfrm>
           <a:prstGeom prst="rect">
@@ -5678,7 +5675,7 @@
         </p:nvSpPr>
         <p:spPr>
           <a:xfrm>
-            <a:off x="1066948" y="1089439"/>
+            <a:off x="977280" y="1583195"/>
             <a:ext cx="1186970" cy="134139"/>
           </a:xfrm>
           <a:prstGeom prst="rect">
@@ -5714,17 +5711,7 @@
                 <a:latin typeface="Cambria Math" panose="02040503050406030204" pitchFamily="18" charset="0"/>
                 <a:ea typeface="Cambria Math" panose="02040503050406030204" pitchFamily="18" charset="0"/>
               </a:rPr>
-              <a:t>(4) Store </a:t>
-            </a:r>
-            <a:r>
-              <a:rPr lang="en-US" altLang="ja-JP" sz="800">
-                <a:solidFill>
-                  <a:schemeClr val="accent2"/>
-                </a:solidFill>
-                <a:latin typeface="Cambria Math" panose="02040503050406030204" pitchFamily="18" charset="0"/>
-                <a:ea typeface="Cambria Math" panose="02040503050406030204" pitchFamily="18" charset="0"/>
-              </a:rPr>
-              <a:t>new node</a:t>
+              <a:t>(4) Store new node</a:t>
             </a:r>
             <a:endParaRPr lang="ja-JP" altLang="en-US" sz="800" dirty="0">
               <a:solidFill>
@@ -5746,14 +5733,13 @@
           </p:cNvPr>
           <p:cNvCxnSpPr>
             <a:cxnSpLocks/>
-            <a:endCxn id="30" idx="1"/>
           </p:cNvCxnSpPr>
           <p:nvPr/>
         </p:nvCxnSpPr>
         <p:spPr>
           <a:xfrm>
-            <a:off x="982011" y="1238197"/>
-            <a:ext cx="1356844" cy="516689"/>
+            <a:off x="982012" y="909895"/>
+            <a:ext cx="1631163" cy="338645"/>
           </a:xfrm>
           <a:prstGeom prst="straightConnector1">
             <a:avLst/>
@@ -5793,9 +5779,9 @@
           <p:nvPr/>
         </p:nvSpPr>
         <p:spPr>
-          <a:xfrm rot="3332844">
-            <a:off x="1391858" y="1210237"/>
-            <a:ext cx="143231" cy="160087"/>
+          <a:xfrm flipV="1">
+            <a:off x="1440343" y="1054444"/>
+            <a:ext cx="393313" cy="439599"/>
           </a:xfrm>
           <a:prstGeom prst="arc">
             <a:avLst>
@@ -5845,14 +5831,13 @@
           </p:cNvPr>
           <p:cNvCxnSpPr>
             <a:cxnSpLocks/>
-            <a:stCxn id="31" idx="3"/>
           </p:cNvCxnSpPr>
           <p:nvPr/>
         </p:nvCxnSpPr>
         <p:spPr>
-          <a:xfrm>
-            <a:off x="5037397" y="1754886"/>
-            <a:ext cx="188089" cy="0"/>
+          <a:xfrm flipV="1">
+            <a:off x="4233487" y="2142704"/>
+            <a:ext cx="239739" cy="201"/>
           </a:xfrm>
           <a:prstGeom prst="straightConnector1">
             <a:avLst/>
@@ -5894,7 +5879,7 @@
         </p:nvSpPr>
         <p:spPr>
           <a:xfrm>
-            <a:off x="5241205" y="1648351"/>
+            <a:off x="4499896" y="2041894"/>
             <a:ext cx="71862" cy="134139"/>
           </a:xfrm>
           <a:prstGeom prst="rect">
@@ -5949,7 +5934,7 @@
         </p:nvSpPr>
         <p:spPr>
           <a:xfrm>
-            <a:off x="3257027" y="1776595"/>
+            <a:off x="3744343" y="1248540"/>
             <a:ext cx="1008114" cy="281872"/>
           </a:xfrm>
           <a:prstGeom prst="rect">
@@ -6029,7 +6014,7 @@
         </p:nvSpPr>
         <p:spPr>
           <a:xfrm>
-            <a:off x="4042733" y="1082469"/>
+            <a:off x="4331792" y="2287008"/>
             <a:ext cx="1219664" cy="281872"/>
           </a:xfrm>
           <a:prstGeom prst="rect">

--- a/src/figures/Bc-split.pptx
+++ b/src/figures/Bc-split.pptx
@@ -5738,8 +5738,8 @@
         </p:nvCxnSpPr>
         <p:spPr>
           <a:xfrm>
-            <a:off x="982012" y="909895"/>
-            <a:ext cx="1631163" cy="338645"/>
+            <a:off x="984133" y="1228302"/>
+            <a:ext cx="1629042" cy="20238"/>
           </a:xfrm>
           <a:prstGeom prst="straightConnector1">
             <a:avLst/>
@@ -5786,7 +5786,7 @@
           <a:prstGeom prst="arc">
             <a:avLst>
               <a:gd name="adj1" fmla="val 17086364"/>
-              <a:gd name="adj2" fmla="val 2618212"/>
+              <a:gd name="adj2" fmla="val 300601"/>
             </a:avLst>
           </a:prstGeom>
           <a:ln w="25400">

--- a/src/figures/Bc-split.pptx
+++ b/src/figures/Bc-split.pptx
@@ -5577,8 +5577,8 @@
         </p:nvCxnSpPr>
         <p:spPr>
           <a:xfrm>
-            <a:off x="982013" y="1291294"/>
-            <a:ext cx="2695196" cy="910468"/>
+            <a:off x="977280" y="1228302"/>
+            <a:ext cx="2699929" cy="973460"/>
           </a:xfrm>
           <a:prstGeom prst="straightConnector1">
             <a:avLst/>
@@ -5780,7 +5780,7 @@
         </p:nvSpPr>
         <p:spPr>
           <a:xfrm flipV="1">
-            <a:off x="1440343" y="1054444"/>
+            <a:off x="1556878" y="1057936"/>
             <a:ext cx="393313" cy="439599"/>
           </a:xfrm>
           <a:prstGeom prst="arc">

--- a/src/figures/Bc-split.pptx
+++ b/src/figures/Bc-split.pptx
@@ -10,7 +10,7 @@
   <p:sldIdLst>
     <p:sldId id="257" r:id="rId2"/>
   </p:sldIdLst>
-  <p:sldSz cx="5759450" cy="2700338"/>
+  <p:sldSz cx="2879725" cy="2700338"/>
   <p:notesSz cx="6858000" cy="9144000"/>
   <p:defaultTextStyle>
     <a:defPPr>
@@ -197,7 +197,7 @@
           <a:p>
             <a:fld id="{C1C90ABE-C08A-444A-9B97-50985CA7357E}" type="datetimeFigureOut">
               <a:rPr kumimoji="1" lang="ja-JP" altLang="en-US" smtClean="0"/>
-              <a:t>2023/8/20</a:t>
+              <a:t>2024/7/29</a:t>
             </a:fld>
             <a:endParaRPr kumimoji="1" lang="ja-JP" altLang="en-US"/>
           </a:p>
@@ -215,8 +215,8 @@
         </p:nvSpPr>
         <p:spPr>
           <a:xfrm>
-            <a:off x="138113" y="1143000"/>
-            <a:ext cx="6581775" cy="3086100"/>
+            <a:off x="1782763" y="1143000"/>
+            <a:ext cx="3292475" cy="3086100"/>
           </a:xfrm>
           <a:prstGeom prst="rect">
             <a:avLst/>
@@ -525,8 +525,8 @@
         </p:nvSpPr>
         <p:spPr>
           <a:xfrm>
-            <a:off x="138113" y="1143000"/>
-            <a:ext cx="6581775" cy="3086100"/>
+            <a:off x="1782763" y="1143000"/>
+            <a:ext cx="3292475" cy="3086100"/>
           </a:xfrm>
         </p:spPr>
       </p:sp>
@@ -614,8 +614,8 @@
         </p:nvSpPr>
         <p:spPr>
           <a:xfrm>
-            <a:off x="319974" y="441941"/>
-            <a:ext cx="5167380" cy="940118"/>
+            <a:off x="159987" y="441941"/>
+            <a:ext cx="2583690" cy="940118"/>
           </a:xfrm>
           <a:noFill/>
         </p:spPr>
@@ -655,8 +655,8 @@
         </p:nvSpPr>
         <p:spPr>
           <a:xfrm>
-            <a:off x="319972" y="1553345"/>
-            <a:ext cx="5191124" cy="520751"/>
+            <a:off x="159986" y="1553346"/>
+            <a:ext cx="2595562" cy="520751"/>
           </a:xfrm>
         </p:spPr>
         <p:txBody>
@@ -776,8 +776,8 @@
         </p:nvSpPr>
         <p:spPr>
           <a:xfrm>
-            <a:off x="255983" y="1382060"/>
-            <a:ext cx="5503474" cy="98139"/>
+            <a:off x="127992" y="1382062"/>
+            <a:ext cx="2751737" cy="98139"/>
           </a:xfrm>
           <a:prstGeom prst="rect">
             <a:avLst/>
@@ -864,8 +864,8 @@
         </p:nvSpPr>
         <p:spPr>
           <a:xfrm>
-            <a:off x="9" y="9"/>
-            <a:ext cx="5759450" cy="382725"/>
+            <a:off x="5" y="11"/>
+            <a:ext cx="2879725" cy="382725"/>
           </a:xfrm>
         </p:spPr>
         <p:txBody>
@@ -950,8 +950,8 @@
         </p:nvSpPr>
         <p:spPr>
           <a:xfrm>
-            <a:off x="203367" y="510302"/>
-            <a:ext cx="5352730" cy="1899451"/>
+            <a:off x="101684" y="510303"/>
+            <a:ext cx="2676365" cy="1899451"/>
           </a:xfrm>
         </p:spPr>
         <p:txBody>
@@ -1068,8 +1068,8 @@
         </p:nvSpPr>
         <p:spPr>
           <a:xfrm>
-            <a:off x="9" y="9"/>
-            <a:ext cx="5759450" cy="382725"/>
+            <a:off x="5" y="11"/>
+            <a:ext cx="2879725" cy="382725"/>
           </a:xfrm>
         </p:spPr>
         <p:txBody>
@@ -1168,8 +1168,8 @@
         </p:nvSpPr>
         <p:spPr>
           <a:xfrm>
-            <a:off x="9" y="673230"/>
-            <a:ext cx="5759450" cy="1123267"/>
+            <a:off x="5" y="673232"/>
+            <a:ext cx="2879725" cy="1123267"/>
           </a:xfrm>
         </p:spPr>
         <p:txBody>
@@ -1203,8 +1203,8 @@
         </p:nvSpPr>
         <p:spPr>
           <a:xfrm>
-            <a:off x="392971" y="1862210"/>
-            <a:ext cx="4967526" cy="535607"/>
+            <a:off x="196486" y="1862212"/>
+            <a:ext cx="2483763" cy="535607"/>
           </a:xfrm>
         </p:spPr>
         <p:txBody>
@@ -1474,8 +1474,8 @@
         </p:nvSpPr>
         <p:spPr>
           <a:xfrm>
-            <a:off x="9" y="9"/>
-            <a:ext cx="5759450" cy="382725"/>
+            <a:off x="5" y="11"/>
+            <a:ext cx="2879725" cy="382725"/>
           </a:xfrm>
           <a:prstGeom prst="rect">
             <a:avLst/>
@@ -1512,8 +1512,8 @@
         </p:nvSpPr>
         <p:spPr>
           <a:xfrm>
-            <a:off x="203367" y="510302"/>
-            <a:ext cx="5352730" cy="1899451"/>
+            <a:off x="101684" y="510303"/>
+            <a:ext cx="2676365" cy="1899451"/>
           </a:xfrm>
           <a:prstGeom prst="rect">
             <a:avLst/>
@@ -1607,8 +1607,8 @@
         </p:nvSpPr>
         <p:spPr>
           <a:xfrm>
-            <a:off x="913179" y="2502835"/>
-            <a:ext cx="3933110" cy="143767"/>
+            <a:off x="456589" y="2502837"/>
+            <a:ext cx="1966555" cy="143767"/>
           </a:xfrm>
           <a:prstGeom prst="rect">
             <a:avLst/>
@@ -1646,8 +1646,8 @@
         </p:nvSpPr>
         <p:spPr>
           <a:xfrm>
-            <a:off x="4911056" y="2502835"/>
-            <a:ext cx="645036" cy="143767"/>
+            <a:off x="2455528" y="2502837"/>
+            <a:ext cx="322518" cy="143767"/>
           </a:xfrm>
           <a:prstGeom prst="rect">
             <a:avLst/>
@@ -2053,9 +2053,9 @@
           <p:nvPr/>
         </p:nvCxnSpPr>
         <p:spPr>
-          <a:xfrm>
-            <a:off x="3465323" y="812204"/>
-            <a:ext cx="281790" cy="1270660"/>
+          <a:xfrm flipH="1">
+            <a:off x="1755290" y="725117"/>
+            <a:ext cx="30683" cy="1355052"/>
           </a:xfrm>
           <a:prstGeom prst="straightConnector1">
             <a:avLst/>
@@ -2083,8 +2083,8 @@
           </a:fontRef>
         </p:style>
       </p:cxnSp>
-      <mc:AlternateContent xmlns:mc="http://schemas.openxmlformats.org/markup-compatibility/2006" xmlns:a14="http://schemas.microsoft.com/office/drawing/2010/main">
-        <mc:Choice Requires="a14">
+      <mc:AlternateContent xmlns:mc="http://schemas.openxmlformats.org/markup-compatibility/2006">
+        <mc:Choice xmlns:a14="http://schemas.microsoft.com/office/drawing/2010/main" Requires="a14">
           <p:graphicFrame>
             <p:nvGraphicFramePr>
               <p:cNvPr id="56" name="表 49">
@@ -2100,13 +2100,13 @@
               <p:nvPr>
                 <p:extLst>
                   <p:ext uri="{D42A27DB-BD31-4B8C-83A1-F6EECF244321}">
-                    <p14:modId xmlns:p14="http://schemas.microsoft.com/office/powerpoint/2010/main" val="2464695853"/>
+                    <p14:modId xmlns:p14="http://schemas.microsoft.com/office/powerpoint/2010/main" val="3751993812"/>
                   </p:ext>
                 </p:extLst>
               </p:nvPr>
             </p:nvGraphicFramePr>
             <p:xfrm>
-              <a:off x="3693449" y="2082864"/>
+              <a:off x="1326125" y="2082864"/>
               <a:ext cx="538001" cy="560584"/>
             </p:xfrm>
             <a:graphic>
@@ -2422,7 +2422,7 @@
             </a:graphic>
           </p:graphicFrame>
         </mc:Choice>
-        <mc:Fallback xmlns="">
+        <mc:Fallback>
           <p:graphicFrame>
             <p:nvGraphicFramePr>
               <p:cNvPr id="56" name="表 49">
@@ -2438,13 +2438,13 @@
               <p:nvPr>
                 <p:extLst>
                   <p:ext uri="{D42A27DB-BD31-4B8C-83A1-F6EECF244321}">
-                    <p14:modId xmlns:p14="http://schemas.microsoft.com/office/powerpoint/2010/main" val="2464695853"/>
+                    <p14:modId xmlns:p14="http://schemas.microsoft.com/office/powerpoint/2010/main" val="3751993812"/>
                   </p:ext>
                 </p:extLst>
               </p:nvPr>
             </p:nvGraphicFramePr>
             <p:xfrm>
-              <a:off x="3693449" y="2082864"/>
+              <a:off x="1326125" y="2082864"/>
               <a:ext cx="538001" cy="560584"/>
             </p:xfrm>
             <a:graphic>
@@ -2715,7 +2715,7 @@
                         <a:blipFill>
                           <a:blip r:embed="rId3"/>
                           <a:stretch>
-                            <a:fillRect l="-1111" t="-317391" r="-2222" b="-39130"/>
+                            <a:fillRect l="-1124" t="-317391" r="-2247" b="-39130"/>
                           </a:stretch>
                         </a:blipFill>
                       </a:tcPr>
@@ -2732,8 +2732,8 @@
           </p:graphicFrame>
         </mc:Fallback>
       </mc:AlternateContent>
-      <mc:AlternateContent xmlns:mc="http://schemas.openxmlformats.org/markup-compatibility/2006" xmlns:a14="http://schemas.microsoft.com/office/drawing/2010/main">
-        <mc:Choice Requires="a14">
+      <mc:AlternateContent xmlns:mc="http://schemas.openxmlformats.org/markup-compatibility/2006">
+        <mc:Choice xmlns:a14="http://schemas.microsoft.com/office/drawing/2010/main" Requires="a14">
           <p:graphicFrame>
             <p:nvGraphicFramePr>
               <p:cNvPr id="30" name="表 49">
@@ -2749,13 +2749,13 @@
               <p:nvPr>
                 <p:extLst>
                   <p:ext uri="{D42A27DB-BD31-4B8C-83A1-F6EECF244321}">
-                    <p14:modId xmlns:p14="http://schemas.microsoft.com/office/powerpoint/2010/main" val="3699031619"/>
+                    <p14:modId xmlns:p14="http://schemas.microsoft.com/office/powerpoint/2010/main" val="1553599757"/>
                   </p:ext>
                 </p:extLst>
               </p:nvPr>
             </p:nvGraphicFramePr>
             <p:xfrm>
-              <a:off x="2613175" y="1179374"/>
+              <a:off x="1095735" y="1282807"/>
               <a:ext cx="536400" cy="562680"/>
             </p:xfrm>
             <a:graphic>
@@ -3109,7 +3109,7 @@
             </a:graphic>
           </p:graphicFrame>
         </mc:Choice>
-        <mc:Fallback xmlns="">
+        <mc:Fallback>
           <p:graphicFrame>
             <p:nvGraphicFramePr>
               <p:cNvPr id="30" name="表 49">
@@ -3125,13 +3125,13 @@
               <p:nvPr>
                 <p:extLst>
                   <p:ext uri="{D42A27DB-BD31-4B8C-83A1-F6EECF244321}">
-                    <p14:modId xmlns:p14="http://schemas.microsoft.com/office/powerpoint/2010/main" val="3699031619"/>
+                    <p14:modId xmlns:p14="http://schemas.microsoft.com/office/powerpoint/2010/main" val="1553599757"/>
                   </p:ext>
                 </p:extLst>
               </p:nvPr>
             </p:nvGraphicFramePr>
             <p:xfrm>
-              <a:off x="2613175" y="1179374"/>
+              <a:off x="1095735" y="1282807"/>
               <a:ext cx="536400" cy="562680"/>
             </p:xfrm>
             <a:graphic>
@@ -3421,8 +3421,8 @@
         </p:nvCxnSpPr>
         <p:spPr>
           <a:xfrm flipV="1">
-            <a:off x="982012" y="402430"/>
-            <a:ext cx="2605198" cy="263192"/>
+            <a:off x="491385" y="315343"/>
+            <a:ext cx="1416474" cy="569846"/>
           </a:xfrm>
           <a:prstGeom prst="straightConnector1">
             <a:avLst/>
@@ -3460,13 +3460,15 @@
           </p:cNvPr>
           <p:cNvCxnSpPr>
             <a:cxnSpLocks/>
+            <a:stCxn id="30" idx="3"/>
+            <a:endCxn id="31" idx="1"/>
           </p:cNvCxnSpPr>
           <p:nvPr/>
         </p:nvCxnSpPr>
         <p:spPr>
-          <a:xfrm>
-            <a:off x="3146277" y="1228302"/>
-            <a:ext cx="1629040" cy="0"/>
+          <a:xfrm flipV="1">
+            <a:off x="1632135" y="1544036"/>
+            <a:ext cx="486784" cy="20111"/>
           </a:xfrm>
           <a:prstGeom prst="straightConnector1">
             <a:avLst/>
@@ -3506,13 +3508,14 @@
           <p:cNvCxnSpPr>
             <a:cxnSpLocks/>
             <a:stCxn id="30" idx="2"/>
+            <a:endCxn id="56" idx="0"/>
           </p:cNvCxnSpPr>
           <p:nvPr/>
         </p:nvCxnSpPr>
         <p:spPr>
           <a:xfrm>
-            <a:off x="2881375" y="1742054"/>
-            <a:ext cx="803976" cy="340810"/>
+            <a:off x="1363935" y="1845487"/>
+            <a:ext cx="231190" cy="237377"/>
           </a:xfrm>
           <a:prstGeom prst="straightConnector1">
             <a:avLst/>
@@ -3551,13 +3554,14 @@
           <p:cNvCxnSpPr>
             <a:cxnSpLocks/>
             <a:stCxn id="31" idx="2"/>
+            <a:endCxn id="56" idx="0"/>
           </p:cNvCxnSpPr>
           <p:nvPr/>
         </p:nvCxnSpPr>
         <p:spPr>
           <a:xfrm flipH="1">
-            <a:off x="4227053" y="1742255"/>
-            <a:ext cx="816464" cy="340609"/>
+            <a:off x="1595125" y="1825376"/>
+            <a:ext cx="791994" cy="257488"/>
           </a:xfrm>
           <a:prstGeom prst="straightConnector1">
             <a:avLst/>
@@ -3598,7 +3602,7 @@
         </p:nvGrpSpPr>
         <p:grpSpPr>
           <a:xfrm>
-            <a:off x="2291988" y="38362"/>
+            <a:off x="71411" y="75242"/>
             <a:ext cx="1187166" cy="297394"/>
             <a:chOff x="860173" y="1557631"/>
             <a:chExt cx="1030332" cy="384165"/>
@@ -3900,13 +3904,13 @@
           <p:nvPr>
             <p:extLst>
               <p:ext uri="{D42A27DB-BD31-4B8C-83A1-F6EECF244321}">
-                <p14:modId xmlns:p14="http://schemas.microsoft.com/office/powerpoint/2010/main" val="866890530"/>
+                <p14:modId xmlns:p14="http://schemas.microsoft.com/office/powerpoint/2010/main" val="58563009"/>
               </p:ext>
             </p:extLst>
           </p:nvPr>
         </p:nvGraphicFramePr>
         <p:xfrm>
-          <a:off x="562038" y="332174"/>
+          <a:off x="71411" y="558596"/>
           <a:ext cx="419974" cy="1102956"/>
         </p:xfrm>
         <a:graphic>
@@ -4322,7 +4326,7 @@
         </p:nvCxnSpPr>
         <p:spPr>
           <a:xfrm flipH="1">
-            <a:off x="3465324" y="466073"/>
+            <a:off x="1785974" y="378986"/>
             <a:ext cx="148246" cy="218854"/>
           </a:xfrm>
           <a:prstGeom prst="straightConnector1">
@@ -4367,7 +4371,7 @@
         </p:nvCxnSpPr>
         <p:spPr>
           <a:xfrm flipH="1">
-            <a:off x="3242399" y="826112"/>
+            <a:off x="1563051" y="739025"/>
             <a:ext cx="98347" cy="110432"/>
           </a:xfrm>
           <a:prstGeom prst="straightConnector1">
@@ -4410,7 +4414,7 @@
         </p:nvSpPr>
         <p:spPr>
           <a:xfrm>
-            <a:off x="3311683" y="658564"/>
+            <a:off x="1632333" y="571477"/>
             <a:ext cx="180000" cy="180000"/>
           </a:xfrm>
           <a:prstGeom prst="ellipse">
@@ -4479,7 +4483,7 @@
         </p:nvSpPr>
         <p:spPr>
           <a:xfrm>
-            <a:off x="3862733" y="658966"/>
+            <a:off x="2183383" y="571879"/>
             <a:ext cx="180000" cy="180000"/>
           </a:xfrm>
           <a:prstGeom prst="ellipse">
@@ -4548,7 +4552,7 @@
         </p:nvSpPr>
         <p:spPr>
           <a:xfrm>
-            <a:off x="3587209" y="312430"/>
+            <a:off x="1907859" y="225343"/>
             <a:ext cx="180000" cy="180000"/>
           </a:xfrm>
           <a:prstGeom prst="ellipse">
@@ -4620,7 +4624,7 @@
         </p:nvCxnSpPr>
         <p:spPr>
           <a:xfrm>
-            <a:off x="3677209" y="121177"/>
+            <a:off x="1997859" y="34090"/>
             <a:ext cx="0" cy="191258"/>
           </a:xfrm>
           <a:prstGeom prst="straightConnector1">
@@ -4667,7 +4671,7 @@
         </p:nvCxnSpPr>
         <p:spPr>
           <a:xfrm>
-            <a:off x="3740852" y="466070"/>
+            <a:off x="2061502" y="378983"/>
             <a:ext cx="148246" cy="219256"/>
           </a:xfrm>
           <a:prstGeom prst="straightConnector1">
@@ -4714,7 +4718,7 @@
         </p:nvCxnSpPr>
         <p:spPr>
           <a:xfrm>
-            <a:off x="3491685" y="748566"/>
+            <a:off x="1812335" y="661479"/>
             <a:ext cx="371052" cy="404"/>
           </a:xfrm>
           <a:prstGeom prst="straightConnector1">
@@ -4760,7 +4764,7 @@
         </p:nvCxnSpPr>
         <p:spPr>
           <a:xfrm>
-            <a:off x="4016374" y="812606"/>
+            <a:off x="2337024" y="725519"/>
             <a:ext cx="110246" cy="114056"/>
           </a:xfrm>
           <a:prstGeom prst="straightConnector1">
@@ -4803,7 +4807,7 @@
         </p:nvSpPr>
         <p:spPr>
           <a:xfrm>
-            <a:off x="4124046" y="851296"/>
+            <a:off x="2444696" y="764211"/>
             <a:ext cx="71862" cy="134139"/>
           </a:xfrm>
           <a:prstGeom prst="rect">
@@ -4861,8 +4865,8 @@
         </p:nvCxnSpPr>
         <p:spPr>
           <a:xfrm flipV="1">
-            <a:off x="982011" y="748565"/>
-            <a:ext cx="2329672" cy="16418"/>
+            <a:off x="491385" y="661477"/>
+            <a:ext cx="1140948" cy="324787"/>
           </a:xfrm>
           <a:prstGeom prst="straightConnector1">
             <a:avLst/>
@@ -4889,8 +4893,8 @@
           </a:fontRef>
         </p:style>
       </p:cxnSp>
-      <mc:AlternateContent xmlns:mc="http://schemas.openxmlformats.org/markup-compatibility/2006" xmlns:a14="http://schemas.microsoft.com/office/drawing/2010/main">
-        <mc:Choice Requires="a14">
+      <mc:AlternateContent xmlns:mc="http://schemas.openxmlformats.org/markup-compatibility/2006">
+        <mc:Choice xmlns:a14="http://schemas.microsoft.com/office/drawing/2010/main" Requires="a14">
           <p:graphicFrame>
             <p:nvGraphicFramePr>
               <p:cNvPr id="31" name="表 49">
@@ -4906,13 +4910,13 @@
               <p:nvPr>
                 <p:extLst>
                   <p:ext uri="{D42A27DB-BD31-4B8C-83A1-F6EECF244321}">
-                    <p14:modId xmlns:p14="http://schemas.microsoft.com/office/powerpoint/2010/main" val="2043488267"/>
+                    <p14:modId xmlns:p14="http://schemas.microsoft.com/office/powerpoint/2010/main" val="1081825712"/>
                   </p:ext>
                 </p:extLst>
               </p:nvPr>
             </p:nvGraphicFramePr>
             <p:xfrm>
-              <a:off x="4775317" y="1179575"/>
+              <a:off x="2118919" y="1262696"/>
               <a:ext cx="536400" cy="562680"/>
             </p:xfrm>
             <a:graphic>
@@ -5266,7 +5270,7 @@
             </a:graphic>
           </p:graphicFrame>
         </mc:Choice>
-        <mc:Fallback xmlns="">
+        <mc:Fallback>
           <p:graphicFrame>
             <p:nvGraphicFramePr>
               <p:cNvPr id="31" name="表 49">
@@ -5282,13 +5286,13 @@
               <p:nvPr>
                 <p:extLst>
                   <p:ext uri="{D42A27DB-BD31-4B8C-83A1-F6EECF244321}">
-                    <p14:modId xmlns:p14="http://schemas.microsoft.com/office/powerpoint/2010/main" val="2043488267"/>
+                    <p14:modId xmlns:p14="http://schemas.microsoft.com/office/powerpoint/2010/main" val="1081825712"/>
                   </p:ext>
                 </p:extLst>
               </p:nvPr>
             </p:nvGraphicFramePr>
             <p:xfrm>
-              <a:off x="4775317" y="1179575"/>
+              <a:off x="2118919" y="1262696"/>
               <a:ext cx="536400" cy="562680"/>
             </p:xfrm>
             <a:graphic>
@@ -5355,7 +5359,7 @@
                         <a:blipFill>
                           <a:blip r:embed="rId5"/>
                           <a:stretch>
-                            <a:fillRect l="-1124" t="-12500" r="-2247" b="-325000"/>
+                            <a:fillRect l="-1124" t="-12500" r="-2247" b="-320833"/>
                           </a:stretch>
                         </a:blipFill>
                       </a:tcPr>
@@ -5544,7 +5548,7 @@
                         <a:blipFill>
                           <a:blip r:embed="rId5"/>
                           <a:stretch>
-                            <a:fillRect l="-1124" t="-317391" r="-2247" b="-39130"/>
+                            <a:fillRect l="-1124" t="-317391" r="-2247" b="-34783"/>
                           </a:stretch>
                         </a:blipFill>
                       </a:tcPr>
@@ -5577,8 +5581,8 @@
         </p:nvCxnSpPr>
         <p:spPr>
           <a:xfrm>
-            <a:off x="977280" y="1228302"/>
-            <a:ext cx="2699929" cy="973460"/>
+            <a:off x="491385" y="1485606"/>
+            <a:ext cx="834740" cy="752209"/>
           </a:xfrm>
           <a:prstGeom prst="straightConnector1">
             <a:avLst/>
@@ -5620,7 +5624,7 @@
         </p:nvSpPr>
         <p:spPr>
           <a:xfrm>
-            <a:off x="3170533" y="891215"/>
+            <a:off x="1491183" y="804130"/>
             <a:ext cx="71862" cy="134139"/>
           </a:xfrm>
           <a:prstGeom prst="rect">
@@ -5675,7 +5679,7 @@
         </p:nvSpPr>
         <p:spPr>
           <a:xfrm>
-            <a:off x="977280" y="1583195"/>
+            <a:off x="12652" y="1880909"/>
             <a:ext cx="1186970" cy="134139"/>
           </a:xfrm>
           <a:prstGeom prst="rect">
@@ -5733,13 +5737,14 @@
           </p:cNvPr>
           <p:cNvCxnSpPr>
             <a:cxnSpLocks/>
+            <a:endCxn id="30" idx="1"/>
           </p:cNvCxnSpPr>
           <p:nvPr/>
         </p:nvCxnSpPr>
         <p:spPr>
           <a:xfrm>
-            <a:off x="984133" y="1228302"/>
-            <a:ext cx="1629042" cy="20238"/>
+            <a:off x="491385" y="1485604"/>
+            <a:ext cx="604350" cy="78543"/>
           </a:xfrm>
           <a:prstGeom prst="straightConnector1">
             <a:avLst/>
@@ -5779,14 +5784,14 @@
           <p:nvPr/>
         </p:nvSpPr>
         <p:spPr>
-          <a:xfrm flipV="1">
-            <a:off x="1556878" y="1057936"/>
+          <a:xfrm rot="20680599" flipV="1">
+            <a:off x="369700" y="1231577"/>
             <a:ext cx="393313" cy="439599"/>
           </a:xfrm>
           <a:prstGeom prst="arc">
             <a:avLst>
               <a:gd name="adj1" fmla="val 17086364"/>
-              <a:gd name="adj2" fmla="val 300601"/>
+              <a:gd name="adj2" fmla="val 19418797"/>
             </a:avLst>
           </a:prstGeom>
           <a:ln w="25400">
@@ -5836,7 +5841,7 @@
         </p:nvCxnSpPr>
         <p:spPr>
           <a:xfrm flipV="1">
-            <a:off x="4233487" y="2142704"/>
+            <a:off x="1866163" y="2142706"/>
             <a:ext cx="239739" cy="201"/>
           </a:xfrm>
           <a:prstGeom prst="straightConnector1">
@@ -5879,7 +5884,7 @@
         </p:nvSpPr>
         <p:spPr>
           <a:xfrm>
-            <a:off x="4499896" y="2041894"/>
+            <a:off x="2132570" y="2041896"/>
             <a:ext cx="71862" cy="134139"/>
           </a:xfrm>
           <a:prstGeom prst="rect">
@@ -5934,7 +5939,7 @@
         </p:nvSpPr>
         <p:spPr>
           <a:xfrm>
-            <a:off x="3744343" y="1248540"/>
+            <a:off x="1818836" y="891691"/>
             <a:ext cx="1008114" cy="281872"/>
           </a:xfrm>
           <a:prstGeom prst="rect">
@@ -6014,7 +6019,7 @@
         </p:nvSpPr>
         <p:spPr>
           <a:xfrm>
-            <a:off x="4331792" y="2287008"/>
+            <a:off x="1981882" y="2287008"/>
             <a:ext cx="1219664" cy="281872"/>
           </a:xfrm>
           <a:prstGeom prst="rect">
